--- a/User Interface 2.pptx
+++ b/User Interface 2.pptx
@@ -122,6 +122,11 @@
       </a:defRPr>
     </a:lvl9pPr>
   </p:defaultTextStyle>
+  <p:extLst>
+    <p:ext uri="{EFAFB233-063F-42B5-8137-9DF3F51BA10A}">
+      <p15:sldGuideLst xmlns:p15="http://schemas.microsoft.com/office/powerpoint/2012/main"/>
+    </p:ext>
+  </p:extLst>
 </p:presentation>
 </file>
 
@@ -207,7 +212,7 @@
           <a:p>
             <a:fld id="{F38704DB-22A4-4569-9E11-F0CEF6E74C67}" type="datetimeFigureOut">
               <a:rPr lang="en-US" smtClean="0"/>
-              <a:t>10/15/2019</a:t>
+              <a:t>10/18/2019</a:t>
             </a:fld>
             <a:endParaRPr lang="en-US"/>
           </a:p>
@@ -715,7 +720,7 @@
           <a:p>
             <a:fld id="{022E4DBA-A637-41D1-BF1E-8DDABD866CDC}" type="datetimeFigureOut">
               <a:rPr lang="en-US" smtClean="0"/>
-              <a:t>10/15/2019</a:t>
+              <a:t>10/18/2019</a:t>
             </a:fld>
             <a:endParaRPr lang="en-US"/>
           </a:p>
@@ -885,7 +890,7 @@
           <a:p>
             <a:fld id="{022E4DBA-A637-41D1-BF1E-8DDABD866CDC}" type="datetimeFigureOut">
               <a:rPr lang="en-US" smtClean="0"/>
-              <a:t>10/15/2019</a:t>
+              <a:t>10/18/2019</a:t>
             </a:fld>
             <a:endParaRPr lang="en-US"/>
           </a:p>
@@ -1065,7 +1070,7 @@
           <a:p>
             <a:fld id="{022E4DBA-A637-41D1-BF1E-8DDABD866CDC}" type="datetimeFigureOut">
               <a:rPr lang="en-US" smtClean="0"/>
-              <a:t>10/15/2019</a:t>
+              <a:t>10/18/2019</a:t>
             </a:fld>
             <a:endParaRPr lang="en-US"/>
           </a:p>
@@ -1235,7 +1240,7 @@
           <a:p>
             <a:fld id="{022E4DBA-A637-41D1-BF1E-8DDABD866CDC}" type="datetimeFigureOut">
               <a:rPr lang="en-US" smtClean="0"/>
-              <a:t>10/15/2019</a:t>
+              <a:t>10/18/2019</a:t>
             </a:fld>
             <a:endParaRPr lang="en-US"/>
           </a:p>
@@ -1481,7 +1486,7 @@
           <a:p>
             <a:fld id="{022E4DBA-A637-41D1-BF1E-8DDABD866CDC}" type="datetimeFigureOut">
               <a:rPr lang="en-US" smtClean="0"/>
-              <a:t>10/15/2019</a:t>
+              <a:t>10/18/2019</a:t>
             </a:fld>
             <a:endParaRPr lang="en-US"/>
           </a:p>
@@ -1713,7 +1718,7 @@
           <a:p>
             <a:fld id="{022E4DBA-A637-41D1-BF1E-8DDABD866CDC}" type="datetimeFigureOut">
               <a:rPr lang="en-US" smtClean="0"/>
-              <a:t>10/15/2019</a:t>
+              <a:t>10/18/2019</a:t>
             </a:fld>
             <a:endParaRPr lang="en-US"/>
           </a:p>
@@ -2080,7 +2085,7 @@
           <a:p>
             <a:fld id="{022E4DBA-A637-41D1-BF1E-8DDABD866CDC}" type="datetimeFigureOut">
               <a:rPr lang="en-US" smtClean="0"/>
-              <a:t>10/15/2019</a:t>
+              <a:t>10/18/2019</a:t>
             </a:fld>
             <a:endParaRPr lang="en-US"/>
           </a:p>
@@ -2198,7 +2203,7 @@
           <a:p>
             <a:fld id="{022E4DBA-A637-41D1-BF1E-8DDABD866CDC}" type="datetimeFigureOut">
               <a:rPr lang="en-US" smtClean="0"/>
-              <a:t>10/15/2019</a:t>
+              <a:t>10/18/2019</a:t>
             </a:fld>
             <a:endParaRPr lang="en-US"/>
           </a:p>
@@ -2293,7 +2298,7 @@
           <a:p>
             <a:fld id="{022E4DBA-A637-41D1-BF1E-8DDABD866CDC}" type="datetimeFigureOut">
               <a:rPr lang="en-US" smtClean="0"/>
-              <a:t>10/15/2019</a:t>
+              <a:t>10/18/2019</a:t>
             </a:fld>
             <a:endParaRPr lang="en-US"/>
           </a:p>
@@ -2570,7 +2575,7 @@
           <a:p>
             <a:fld id="{022E4DBA-A637-41D1-BF1E-8DDABD866CDC}" type="datetimeFigureOut">
               <a:rPr lang="en-US" smtClean="0"/>
-              <a:t>10/15/2019</a:t>
+              <a:t>10/18/2019</a:t>
             </a:fld>
             <a:endParaRPr lang="en-US"/>
           </a:p>
@@ -2823,7 +2828,7 @@
           <a:p>
             <a:fld id="{022E4DBA-A637-41D1-BF1E-8DDABD866CDC}" type="datetimeFigureOut">
               <a:rPr lang="en-US" smtClean="0"/>
-              <a:t>10/15/2019</a:t>
+              <a:t>10/18/2019</a:t>
             </a:fld>
             <a:endParaRPr lang="en-US"/>
           </a:p>
@@ -3036,7 +3041,7 @@
           <a:p>
             <a:fld id="{022E4DBA-A637-41D1-BF1E-8DDABD866CDC}" type="datetimeFigureOut">
               <a:rPr lang="en-US" smtClean="0"/>
-              <a:t>10/15/2019</a:t>
+              <a:t>10/18/2019</a:t>
             </a:fld>
             <a:endParaRPr lang="en-US"/>
           </a:p>
@@ -3458,11 +3463,7 @@
           <a:p>
             <a:r>
               <a:rPr lang="en-ID" b="1" dirty="0" smtClean="0"/>
-              <a:t>User Interface </a:t>
-            </a:r>
-            <a:r>
-              <a:rPr lang="en-ID" b="1" dirty="0" smtClean="0"/>
-              <a:t>2</a:t>
+              <a:t>User Interface 2</a:t>
             </a:r>
             <a:endParaRPr lang="en-US" b="1" dirty="0"/>
           </a:p>
@@ -3630,6 +3631,88 @@
           </a:p>
         </p:txBody>
       </p:sp>
+      <p:sp>
+        <p:nvSpPr>
+          <p:cNvPr id="4" name="Rectangle 3"/>
+          <p:cNvSpPr/>
+          <p:nvPr/>
+        </p:nvSpPr>
+        <p:spPr>
+          <a:xfrm>
+            <a:off x="2082297" y="2635505"/>
+            <a:ext cx="7487216" cy="369332"/>
+          </a:xfrm>
+          <a:prstGeom prst="rect">
+            <a:avLst/>
+          </a:prstGeom>
+        </p:spPr>
+        <p:txBody>
+          <a:bodyPr wrap="square">
+            <a:spAutoFit/>
+          </a:bodyPr>
+          <a:lstStyle/>
+          <a:p>
+            <a:r>
+              <a:rPr lang="en-US" dirty="0">
+                <a:hlinkClick r:id="rId2"/>
+              </a:rPr>
+              <a:t>https://</a:t>
+            </a:r>
+            <a:r>
+              <a:rPr lang="en-US" dirty="0" smtClean="0">
+                <a:hlinkClick r:id="rId2"/>
+              </a:rPr>
+              <a:t>github.com/ariebhewhe/FlutterDasar_3/tree/master/icon/lib</a:t>
+            </a:r>
+            <a:r>
+              <a:rPr lang="en-US" dirty="0" smtClean="0"/>
+              <a:t> </a:t>
+            </a:r>
+            <a:endParaRPr lang="en-US" dirty="0"/>
+          </a:p>
+        </p:txBody>
+      </p:sp>
+      <p:sp>
+        <p:nvSpPr>
+          <p:cNvPr id="5" name="Rectangle 4"/>
+          <p:cNvSpPr/>
+          <p:nvPr/>
+        </p:nvSpPr>
+        <p:spPr>
+          <a:xfrm>
+            <a:off x="2082296" y="3522294"/>
+            <a:ext cx="8238653" cy="369332"/>
+          </a:xfrm>
+          <a:prstGeom prst="rect">
+            <a:avLst/>
+          </a:prstGeom>
+        </p:spPr>
+        <p:txBody>
+          <a:bodyPr wrap="square">
+            <a:spAutoFit/>
+          </a:bodyPr>
+          <a:lstStyle/>
+          <a:p>
+            <a:r>
+              <a:rPr lang="en-US" dirty="0">
+                <a:hlinkClick r:id="rId3"/>
+              </a:rPr>
+              <a:t>https://</a:t>
+            </a:r>
+            <a:r>
+              <a:rPr lang="en-US" dirty="0" smtClean="0">
+                <a:hlinkClick r:id="rId3"/>
+              </a:rPr>
+              <a:t>github.com/ariebhewhe/FlutterDasar_3/tree/master/iconbutton/lib</a:t>
+            </a:r>
+            <a:r>
+              <a:rPr lang="en-US" dirty="0" smtClean="0"/>
+              <a:t> </a:t>
+            </a:r>
+            <a:endParaRPr lang="en-US" dirty="0"/>
+          </a:p>
+        </p:txBody>
+      </p:sp>
     </p:spTree>
     <p:extLst>
       <p:ext uri="{BB962C8B-B14F-4D97-AF65-F5344CB8AC3E}">
@@ -3773,6 +3856,47 @@
           </a:p>
         </p:txBody>
       </p:sp>
+      <p:sp>
+        <p:nvSpPr>
+          <p:cNvPr id="4" name="Rectangle 3"/>
+          <p:cNvSpPr/>
+          <p:nvPr/>
+        </p:nvSpPr>
+        <p:spPr>
+          <a:xfrm>
+            <a:off x="1448554" y="3105835"/>
+            <a:ext cx="7695446" cy="369332"/>
+          </a:xfrm>
+          <a:prstGeom prst="rect">
+            <a:avLst/>
+          </a:prstGeom>
+        </p:spPr>
+        <p:txBody>
+          <a:bodyPr wrap="square">
+            <a:spAutoFit/>
+          </a:bodyPr>
+          <a:lstStyle/>
+          <a:p>
+            <a:r>
+              <a:rPr lang="en-US" dirty="0">
+                <a:hlinkClick r:id="rId2"/>
+              </a:rPr>
+              <a:t>https://</a:t>
+            </a:r>
+            <a:r>
+              <a:rPr lang="en-US" dirty="0" smtClean="0">
+                <a:hlinkClick r:id="rId2"/>
+              </a:rPr>
+              <a:t>github.com/ariebhewhe/FlutterDasar_3/tree/master/textfield/lib</a:t>
+            </a:r>
+            <a:r>
+              <a:rPr lang="en-US" dirty="0" smtClean="0"/>
+              <a:t> </a:t>
+            </a:r>
+            <a:endParaRPr lang="en-US" dirty="0"/>
+          </a:p>
+        </p:txBody>
+      </p:sp>
     </p:spTree>
     <p:extLst>
       <p:ext uri="{BB962C8B-B14F-4D97-AF65-F5344CB8AC3E}">
@@ -3850,6 +3974,129 @@
           </a:p>
         </p:txBody>
       </p:sp>
+      <p:sp>
+        <p:nvSpPr>
+          <p:cNvPr id="3" name="Rectangle 2"/>
+          <p:cNvSpPr/>
+          <p:nvPr/>
+        </p:nvSpPr>
+        <p:spPr>
+          <a:xfrm>
+            <a:off x="1638677" y="3105835"/>
+            <a:ext cx="7505323" cy="369332"/>
+          </a:xfrm>
+          <a:prstGeom prst="rect">
+            <a:avLst/>
+          </a:prstGeom>
+        </p:spPr>
+        <p:txBody>
+          <a:bodyPr wrap="square">
+            <a:spAutoFit/>
+          </a:bodyPr>
+          <a:lstStyle/>
+          <a:p>
+            <a:r>
+              <a:rPr lang="en-US" dirty="0">
+                <a:hlinkClick r:id="rId2"/>
+              </a:rPr>
+              <a:t>https://</a:t>
+            </a:r>
+            <a:r>
+              <a:rPr lang="en-US" dirty="0" smtClean="0">
+                <a:hlinkClick r:id="rId2"/>
+              </a:rPr>
+              <a:t>github.com/ariebhewhe/FlutterDasar_3/tree/master/checkbox/lib</a:t>
+            </a:r>
+            <a:r>
+              <a:rPr lang="en-US" dirty="0" smtClean="0"/>
+              <a:t> </a:t>
+            </a:r>
+            <a:endParaRPr lang="en-US" dirty="0"/>
+          </a:p>
+        </p:txBody>
+      </p:sp>
+      <p:sp>
+        <p:nvSpPr>
+          <p:cNvPr id="4" name="Rectangle 3"/>
+          <p:cNvSpPr/>
+          <p:nvPr/>
+        </p:nvSpPr>
+        <p:spPr>
+          <a:xfrm>
+            <a:off x="1638677" y="3703363"/>
+            <a:ext cx="8428776" cy="369332"/>
+          </a:xfrm>
+          <a:prstGeom prst="rect">
+            <a:avLst/>
+          </a:prstGeom>
+        </p:spPr>
+        <p:txBody>
+          <a:bodyPr wrap="square">
+            <a:spAutoFit/>
+          </a:bodyPr>
+          <a:lstStyle/>
+          <a:p>
+            <a:r>
+              <a:rPr lang="en-US" dirty="0">
+                <a:hlinkClick r:id="rId3"/>
+              </a:rPr>
+              <a:t>https://</a:t>
+            </a:r>
+            <a:r>
+              <a:rPr lang="en-US" dirty="0" smtClean="0">
+                <a:hlinkClick r:id="rId3"/>
+              </a:rPr>
+              <a:t>github.com/ariebhewhe/FlutterDasar_3/tree/master/checkbox1/lib</a:t>
+            </a:r>
+            <a:r>
+              <a:rPr lang="en-US" dirty="0" smtClean="0"/>
+              <a:t> </a:t>
+            </a:r>
+            <a:endParaRPr lang="en-US" dirty="0"/>
+          </a:p>
+        </p:txBody>
+      </p:sp>
+      <p:sp>
+        <p:nvSpPr>
+          <p:cNvPr id="5" name="Rectangle 4"/>
+          <p:cNvSpPr/>
+          <p:nvPr/>
+        </p:nvSpPr>
+        <p:spPr>
+          <a:xfrm>
+            <a:off x="1638677" y="4481962"/>
+            <a:ext cx="7930836" cy="369332"/>
+          </a:xfrm>
+          <a:prstGeom prst="rect">
+            <a:avLst/>
+          </a:prstGeom>
+        </p:spPr>
+        <p:txBody>
+          <a:bodyPr wrap="square">
+            <a:spAutoFit/>
+          </a:bodyPr>
+          <a:lstStyle/>
+          <a:p>
+            <a:r>
+              <a:rPr lang="en-US" dirty="0">
+                <a:hlinkClick r:id="rId4"/>
+              </a:rPr>
+              <a:t>https://</a:t>
+            </a:r>
+            <a:r>
+              <a:rPr lang="en-US" dirty="0" smtClean="0">
+                <a:hlinkClick r:id="rId4"/>
+              </a:rPr>
+              <a:t>github.com/ariebhewhe/FlutterDasar_3/tree/master/checkbox2/lib</a:t>
+            </a:r>
+            <a:r>
+              <a:rPr lang="en-US" dirty="0" smtClean="0"/>
+              <a:t> </a:t>
+            </a:r>
+            <a:endParaRPr lang="en-US" dirty="0"/>
+          </a:p>
+        </p:txBody>
+      </p:sp>
     </p:spTree>
     <p:extLst>
       <p:ext uri="{BB962C8B-B14F-4D97-AF65-F5344CB8AC3E}">
@@ -3919,6 +4166,88 @@
           </a:p>
         </p:txBody>
       </p:sp>
+      <p:sp>
+        <p:nvSpPr>
+          <p:cNvPr id="3" name="Rectangle 2"/>
+          <p:cNvSpPr/>
+          <p:nvPr/>
+        </p:nvSpPr>
+        <p:spPr>
+          <a:xfrm>
+            <a:off x="1729212" y="2535467"/>
+            <a:ext cx="8048531" cy="369332"/>
+          </a:xfrm>
+          <a:prstGeom prst="rect">
+            <a:avLst/>
+          </a:prstGeom>
+        </p:spPr>
+        <p:txBody>
+          <a:bodyPr wrap="square">
+            <a:spAutoFit/>
+          </a:bodyPr>
+          <a:lstStyle/>
+          <a:p>
+            <a:r>
+              <a:rPr lang="en-US" dirty="0">
+                <a:hlinkClick r:id="rId2"/>
+              </a:rPr>
+              <a:t>https://</a:t>
+            </a:r>
+            <a:r>
+              <a:rPr lang="en-US" dirty="0" smtClean="0">
+                <a:hlinkClick r:id="rId2"/>
+              </a:rPr>
+              <a:t>github.com/ariebhewhe/FlutterDasar_3/tree/master/radio/lib</a:t>
+            </a:r>
+            <a:r>
+              <a:rPr lang="en-US" dirty="0" smtClean="0"/>
+              <a:t> </a:t>
+            </a:r>
+            <a:endParaRPr lang="en-US" dirty="0"/>
+          </a:p>
+        </p:txBody>
+      </p:sp>
+      <p:sp>
+        <p:nvSpPr>
+          <p:cNvPr id="4" name="Rectangle 3"/>
+          <p:cNvSpPr/>
+          <p:nvPr/>
+        </p:nvSpPr>
+        <p:spPr>
+          <a:xfrm>
+            <a:off x="1729212" y="3103247"/>
+            <a:ext cx="8971984" cy="369332"/>
+          </a:xfrm>
+          <a:prstGeom prst="rect">
+            <a:avLst/>
+          </a:prstGeom>
+        </p:spPr>
+        <p:txBody>
+          <a:bodyPr wrap="square">
+            <a:spAutoFit/>
+          </a:bodyPr>
+          <a:lstStyle/>
+          <a:p>
+            <a:r>
+              <a:rPr lang="en-US" dirty="0">
+                <a:hlinkClick r:id="rId3"/>
+              </a:rPr>
+              <a:t>https://</a:t>
+            </a:r>
+            <a:r>
+              <a:rPr lang="en-US" dirty="0" smtClean="0">
+                <a:hlinkClick r:id="rId3"/>
+              </a:rPr>
+              <a:t>github.com/ariebhewhe/FlutterDasar_3/tree/master/radio1/lib</a:t>
+            </a:r>
+            <a:r>
+              <a:rPr lang="en-US" dirty="0" smtClean="0"/>
+              <a:t> </a:t>
+            </a:r>
+            <a:endParaRPr lang="en-US" dirty="0"/>
+          </a:p>
+        </p:txBody>
+      </p:sp>
     </p:spTree>
     <p:extLst>
       <p:ext uri="{BB962C8B-B14F-4D97-AF65-F5344CB8AC3E}">
@@ -3988,6 +4317,88 @@
           </a:p>
         </p:txBody>
       </p:sp>
+      <p:sp>
+        <p:nvSpPr>
+          <p:cNvPr id="3" name="Rectangle 2"/>
+          <p:cNvSpPr/>
+          <p:nvPr/>
+        </p:nvSpPr>
+        <p:spPr>
+          <a:xfrm>
+            <a:off x="1453835" y="2564487"/>
+            <a:ext cx="8564578" cy="369332"/>
+          </a:xfrm>
+          <a:prstGeom prst="rect">
+            <a:avLst/>
+          </a:prstGeom>
+        </p:spPr>
+        <p:txBody>
+          <a:bodyPr wrap="square">
+            <a:spAutoFit/>
+          </a:bodyPr>
+          <a:lstStyle/>
+          <a:p>
+            <a:r>
+              <a:rPr lang="en-US" dirty="0">
+                <a:hlinkClick r:id="rId2"/>
+              </a:rPr>
+              <a:t>https://</a:t>
+            </a:r>
+            <a:r>
+              <a:rPr lang="en-US" dirty="0" smtClean="0">
+                <a:hlinkClick r:id="rId2"/>
+              </a:rPr>
+              <a:t>github.com/ariebhewhe/FlutterDasar_3/tree/master/switch1/lib</a:t>
+            </a:r>
+            <a:r>
+              <a:rPr lang="en-US" dirty="0" smtClean="0"/>
+              <a:t> </a:t>
+            </a:r>
+            <a:endParaRPr lang="en-US" dirty="0"/>
+          </a:p>
+        </p:txBody>
+      </p:sp>
+      <p:sp>
+        <p:nvSpPr>
+          <p:cNvPr id="4" name="Rectangle 3"/>
+          <p:cNvSpPr/>
+          <p:nvPr/>
+        </p:nvSpPr>
+        <p:spPr>
+          <a:xfrm>
+            <a:off x="1572285" y="3395546"/>
+            <a:ext cx="8123976" cy="369332"/>
+          </a:xfrm>
+          <a:prstGeom prst="rect">
+            <a:avLst/>
+          </a:prstGeom>
+        </p:spPr>
+        <p:txBody>
+          <a:bodyPr wrap="square">
+            <a:spAutoFit/>
+          </a:bodyPr>
+          <a:lstStyle/>
+          <a:p>
+            <a:r>
+              <a:rPr lang="en-US" dirty="0">
+                <a:hlinkClick r:id="rId3"/>
+              </a:rPr>
+              <a:t>https://</a:t>
+            </a:r>
+            <a:r>
+              <a:rPr lang="en-US" dirty="0" smtClean="0">
+                <a:hlinkClick r:id="rId3"/>
+              </a:rPr>
+              <a:t>github.com/ariebhewhe/FlutterDasar_3/tree/master/switch2/lib</a:t>
+            </a:r>
+            <a:r>
+              <a:rPr lang="en-US" dirty="0" smtClean="0"/>
+              <a:t> </a:t>
+            </a:r>
+            <a:endParaRPr lang="en-US" dirty="0"/>
+          </a:p>
+        </p:txBody>
+      </p:sp>
     </p:spTree>
     <p:extLst>
       <p:ext uri="{BB962C8B-B14F-4D97-AF65-F5344CB8AC3E}">
@@ -4045,6 +4456,47 @@
           </a:p>
         </p:txBody>
       </p:sp>
+      <p:sp>
+        <p:nvSpPr>
+          <p:cNvPr id="3" name="Rectangle 2"/>
+          <p:cNvSpPr/>
+          <p:nvPr/>
+        </p:nvSpPr>
+        <p:spPr>
+          <a:xfrm>
+            <a:off x="941560" y="3105835"/>
+            <a:ext cx="8202440" cy="369332"/>
+          </a:xfrm>
+          <a:prstGeom prst="rect">
+            <a:avLst/>
+          </a:prstGeom>
+        </p:spPr>
+        <p:txBody>
+          <a:bodyPr wrap="square">
+            <a:spAutoFit/>
+          </a:bodyPr>
+          <a:lstStyle/>
+          <a:p>
+            <a:r>
+              <a:rPr lang="en-US" dirty="0">
+                <a:hlinkClick r:id="rId2"/>
+              </a:rPr>
+              <a:t>https://</a:t>
+            </a:r>
+            <a:r>
+              <a:rPr lang="en-US" dirty="0" smtClean="0">
+                <a:hlinkClick r:id="rId2"/>
+              </a:rPr>
+              <a:t>github.com/ariebhewhe/FlutterDasar_3/tree/master/slider/lib</a:t>
+            </a:r>
+            <a:r>
+              <a:rPr lang="en-US" dirty="0" smtClean="0"/>
+              <a:t> </a:t>
+            </a:r>
+            <a:endParaRPr lang="en-US" dirty="0"/>
+          </a:p>
+        </p:txBody>
+      </p:sp>
     </p:spTree>
     <p:extLst>
       <p:ext uri="{BB962C8B-B14F-4D97-AF65-F5344CB8AC3E}">
@@ -4102,6 +4554,47 @@
           </a:p>
         </p:txBody>
       </p:sp>
+      <p:sp>
+        <p:nvSpPr>
+          <p:cNvPr id="3" name="Rectangle 2"/>
+          <p:cNvSpPr/>
+          <p:nvPr/>
+        </p:nvSpPr>
+        <p:spPr>
+          <a:xfrm>
+            <a:off x="543208" y="3105835"/>
+            <a:ext cx="8600792" cy="369332"/>
+          </a:xfrm>
+          <a:prstGeom prst="rect">
+            <a:avLst/>
+          </a:prstGeom>
+        </p:spPr>
+        <p:txBody>
+          <a:bodyPr wrap="square">
+            <a:spAutoFit/>
+          </a:bodyPr>
+          <a:lstStyle/>
+          <a:p>
+            <a:r>
+              <a:rPr lang="en-US" dirty="0">
+                <a:hlinkClick r:id="rId2"/>
+              </a:rPr>
+              <a:t>https://</a:t>
+            </a:r>
+            <a:r>
+              <a:rPr lang="en-US" dirty="0" smtClean="0">
+                <a:hlinkClick r:id="rId2"/>
+              </a:rPr>
+              <a:t>github.com/ariebhewhe/FlutterDasar_3/tree/master/raisedbutton/lib</a:t>
+            </a:r>
+            <a:r>
+              <a:rPr lang="en-US" dirty="0" smtClean="0"/>
+              <a:t> </a:t>
+            </a:r>
+            <a:endParaRPr lang="en-US" dirty="0"/>
+          </a:p>
+        </p:txBody>
+      </p:sp>
     </p:spTree>
     <p:extLst>
       <p:ext uri="{BB962C8B-B14F-4D97-AF65-F5344CB8AC3E}">
@@ -4258,7 +4751,6 @@
               <a:rPr lang="en-ID" dirty="0" smtClean="0"/>
               <a:t> material.</a:t>
             </a:r>
-            <a:endParaRPr lang="en-ID" dirty="0" smtClean="0"/>
           </a:p>
         </p:txBody>
       </p:sp>
@@ -6103,7 +6595,7 @@
         </p:nvSpPr>
         <p:spPr>
           <a:xfrm>
-            <a:off x="3023857" y="2960483"/>
+            <a:off x="2987643" y="2942376"/>
             <a:ext cx="5504507" cy="1792586"/>
           </a:xfrm>
           <a:prstGeom prst="rect">
@@ -6191,6 +6683,132 @@
             </a:r>
           </a:p>
           <a:p>
+            <a:endParaRPr lang="en-US" dirty="0"/>
+          </a:p>
+        </p:txBody>
+      </p:sp>
+      <p:sp>
+        <p:nvSpPr>
+          <p:cNvPr id="6" name="TextBox 5"/>
+          <p:cNvSpPr txBox="1"/>
+          <p:nvPr/>
+        </p:nvSpPr>
+        <p:spPr>
+          <a:xfrm>
+            <a:off x="1548143" y="4916032"/>
+            <a:ext cx="9805657" cy="369332"/>
+          </a:xfrm>
+          <a:prstGeom prst="rect">
+            <a:avLst/>
+          </a:prstGeom>
+          <a:noFill/>
+        </p:spPr>
+        <p:txBody>
+          <a:bodyPr wrap="square" rtlCol="0">
+            <a:spAutoFit/>
+          </a:bodyPr>
+          <a:lstStyle/>
+          <a:p>
+            <a:r>
+              <a:rPr lang="en-US" dirty="0">
+                <a:hlinkClick r:id="rId2"/>
+              </a:rPr>
+              <a:t>https://</a:t>
+            </a:r>
+            <a:r>
+              <a:rPr lang="en-US" dirty="0" smtClean="0">
+                <a:hlinkClick r:id="rId2"/>
+              </a:rPr>
+              <a:t>github.com/ariebhewhe/FlutterDasar_3/blob/master/text1/lib/main.dart</a:t>
+            </a:r>
+            <a:r>
+              <a:rPr lang="en-US" dirty="0" smtClean="0"/>
+              <a:t> </a:t>
+            </a:r>
+            <a:endParaRPr lang="en-US" dirty="0"/>
+          </a:p>
+        </p:txBody>
+      </p:sp>
+      <p:sp>
+        <p:nvSpPr>
+          <p:cNvPr id="7" name="TextBox 6"/>
+          <p:cNvSpPr txBox="1"/>
+          <p:nvPr/>
+        </p:nvSpPr>
+        <p:spPr>
+          <a:xfrm>
+            <a:off x="1548143" y="5237832"/>
+            <a:ext cx="9805657" cy="369332"/>
+          </a:xfrm>
+          <a:prstGeom prst="rect">
+            <a:avLst/>
+          </a:prstGeom>
+          <a:noFill/>
+        </p:spPr>
+        <p:txBody>
+          <a:bodyPr wrap="square" rtlCol="0">
+            <a:spAutoFit/>
+          </a:bodyPr>
+          <a:lstStyle/>
+          <a:p>
+            <a:r>
+              <a:rPr lang="en-US" dirty="0">
+                <a:hlinkClick r:id="rId2"/>
+              </a:rPr>
+              <a:t>https://</a:t>
+            </a:r>
+            <a:r>
+              <a:rPr lang="en-US" dirty="0" smtClean="0">
+                <a:hlinkClick r:id="rId2"/>
+              </a:rPr>
+              <a:t>github.com/ariebhewhe/FlutterDasar_3/blob/master/text2/lib/main.dart</a:t>
+            </a:r>
+            <a:r>
+              <a:rPr lang="en-US" dirty="0" smtClean="0"/>
+              <a:t> </a:t>
+            </a:r>
+            <a:endParaRPr lang="en-US" dirty="0"/>
+          </a:p>
+        </p:txBody>
+      </p:sp>
+      <p:sp>
+        <p:nvSpPr>
+          <p:cNvPr id="8" name="TextBox 7"/>
+          <p:cNvSpPr txBox="1"/>
+          <p:nvPr/>
+        </p:nvSpPr>
+        <p:spPr>
+          <a:xfrm>
+            <a:off x="1548143" y="5643951"/>
+            <a:ext cx="9805657" cy="369332"/>
+          </a:xfrm>
+          <a:prstGeom prst="rect">
+            <a:avLst/>
+          </a:prstGeom>
+          <a:noFill/>
+        </p:spPr>
+        <p:txBody>
+          <a:bodyPr wrap="square" rtlCol="0">
+            <a:spAutoFit/>
+          </a:bodyPr>
+          <a:lstStyle/>
+          <a:p>
+            <a:r>
+              <a:rPr lang="en-US" dirty="0">
+                <a:hlinkClick r:id="rId2"/>
+              </a:rPr>
+              <a:t>https://</a:t>
+            </a:r>
+            <a:r>
+              <a:rPr lang="en-US" dirty="0" smtClean="0">
+                <a:hlinkClick r:id="rId2"/>
+              </a:rPr>
+              <a:t>github.com/ariebhewhe/FlutterDasar_3/blob/master/text3/lib/main.dart</a:t>
+            </a:r>
+            <a:r>
+              <a:rPr lang="en-US" dirty="0" smtClean="0"/>
+              <a:t> </a:t>
+            </a:r>
             <a:endParaRPr lang="en-US" dirty="0"/>
           </a:p>
         </p:txBody>
@@ -6527,6 +7145,47 @@
             <a:r>
               <a:rPr lang="en-ID" dirty="0" err="1" smtClean="0"/>
               <a:t>Pubspec.yaml</a:t>
+            </a:r>
+            <a:endParaRPr lang="en-US" dirty="0"/>
+          </a:p>
+        </p:txBody>
+      </p:sp>
+      <p:sp>
+        <p:nvSpPr>
+          <p:cNvPr id="5" name="Rectangle 4"/>
+          <p:cNvSpPr/>
+          <p:nvPr/>
+        </p:nvSpPr>
+        <p:spPr>
+          <a:xfrm>
+            <a:off x="1605481" y="4816940"/>
+            <a:ext cx="8434812" cy="369332"/>
+          </a:xfrm>
+          <a:prstGeom prst="rect">
+            <a:avLst/>
+          </a:prstGeom>
+        </p:spPr>
+        <p:txBody>
+          <a:bodyPr wrap="square">
+            <a:spAutoFit/>
+          </a:bodyPr>
+          <a:lstStyle/>
+          <a:p>
+            <a:r>
+              <a:rPr lang="en-US" dirty="0">
+                <a:hlinkClick r:id="rId2"/>
+              </a:rPr>
+              <a:t>https://</a:t>
+            </a:r>
+            <a:r>
+              <a:rPr lang="en-US" dirty="0" smtClean="0">
+                <a:hlinkClick r:id="rId2"/>
+              </a:rPr>
+              <a:t>github.com/ariebhewhe/FlutterDasar_3/tree/master/image/lib</a:t>
+            </a:r>
+            <a:r>
+              <a:rPr lang="en-US" dirty="0" smtClean="0"/>
+              <a:t> </a:t>
             </a:r>
             <a:endParaRPr lang="en-US" dirty="0"/>
           </a:p>

--- a/User Interface 2.pptx
+++ b/User Interface 2.pptx
@@ -5,7 +5,7 @@
     <p:sldMasterId id="2147483648" r:id="rId1"/>
   </p:sldMasterIdLst>
   <p:notesMasterIdLst>
-    <p:notesMasterId r:id="rId18"/>
+    <p:notesMasterId r:id="rId24"/>
   </p:notesMasterIdLst>
   <p:sldIdLst>
     <p:sldId id="257" r:id="rId2"/>
@@ -24,6 +24,12 @@
     <p:sldId id="270" r:id="rId15"/>
     <p:sldId id="271" r:id="rId16"/>
     <p:sldId id="272" r:id="rId17"/>
+    <p:sldId id="273" r:id="rId18"/>
+    <p:sldId id="274" r:id="rId19"/>
+    <p:sldId id="275" r:id="rId20"/>
+    <p:sldId id="276" r:id="rId21"/>
+    <p:sldId id="277" r:id="rId22"/>
+    <p:sldId id="278" r:id="rId23"/>
   </p:sldIdLst>
   <p:sldSz cx="12192000" cy="6858000"/>
   <p:notesSz cx="6858000" cy="9144000"/>
@@ -212,7 +218,7 @@
           <a:p>
             <a:fld id="{F38704DB-22A4-4569-9E11-F0CEF6E74C67}" type="datetimeFigureOut">
               <a:rPr lang="en-US" smtClean="0"/>
-              <a:t>10/18/2019</a:t>
+              <a:t>10/22/2019</a:t>
             </a:fld>
             <a:endParaRPr lang="en-US"/>
           </a:p>
@@ -720,7 +726,7 @@
           <a:p>
             <a:fld id="{022E4DBA-A637-41D1-BF1E-8DDABD866CDC}" type="datetimeFigureOut">
               <a:rPr lang="en-US" smtClean="0"/>
-              <a:t>10/18/2019</a:t>
+              <a:t>10/22/2019</a:t>
             </a:fld>
             <a:endParaRPr lang="en-US"/>
           </a:p>
@@ -890,7 +896,7 @@
           <a:p>
             <a:fld id="{022E4DBA-A637-41D1-BF1E-8DDABD866CDC}" type="datetimeFigureOut">
               <a:rPr lang="en-US" smtClean="0"/>
-              <a:t>10/18/2019</a:t>
+              <a:t>10/22/2019</a:t>
             </a:fld>
             <a:endParaRPr lang="en-US"/>
           </a:p>
@@ -1070,7 +1076,7 @@
           <a:p>
             <a:fld id="{022E4DBA-A637-41D1-BF1E-8DDABD866CDC}" type="datetimeFigureOut">
               <a:rPr lang="en-US" smtClean="0"/>
-              <a:t>10/18/2019</a:t>
+              <a:t>10/22/2019</a:t>
             </a:fld>
             <a:endParaRPr lang="en-US"/>
           </a:p>
@@ -1240,7 +1246,7 @@
           <a:p>
             <a:fld id="{022E4DBA-A637-41D1-BF1E-8DDABD866CDC}" type="datetimeFigureOut">
               <a:rPr lang="en-US" smtClean="0"/>
-              <a:t>10/18/2019</a:t>
+              <a:t>10/22/2019</a:t>
             </a:fld>
             <a:endParaRPr lang="en-US"/>
           </a:p>
@@ -1486,7 +1492,7 @@
           <a:p>
             <a:fld id="{022E4DBA-A637-41D1-BF1E-8DDABD866CDC}" type="datetimeFigureOut">
               <a:rPr lang="en-US" smtClean="0"/>
-              <a:t>10/18/2019</a:t>
+              <a:t>10/22/2019</a:t>
             </a:fld>
             <a:endParaRPr lang="en-US"/>
           </a:p>
@@ -1718,7 +1724,7 @@
           <a:p>
             <a:fld id="{022E4DBA-A637-41D1-BF1E-8DDABD866CDC}" type="datetimeFigureOut">
               <a:rPr lang="en-US" smtClean="0"/>
-              <a:t>10/18/2019</a:t>
+              <a:t>10/22/2019</a:t>
             </a:fld>
             <a:endParaRPr lang="en-US"/>
           </a:p>
@@ -2085,7 +2091,7 @@
           <a:p>
             <a:fld id="{022E4DBA-A637-41D1-BF1E-8DDABD866CDC}" type="datetimeFigureOut">
               <a:rPr lang="en-US" smtClean="0"/>
-              <a:t>10/18/2019</a:t>
+              <a:t>10/22/2019</a:t>
             </a:fld>
             <a:endParaRPr lang="en-US"/>
           </a:p>
@@ -2203,7 +2209,7 @@
           <a:p>
             <a:fld id="{022E4DBA-A637-41D1-BF1E-8DDABD866CDC}" type="datetimeFigureOut">
               <a:rPr lang="en-US" smtClean="0"/>
-              <a:t>10/18/2019</a:t>
+              <a:t>10/22/2019</a:t>
             </a:fld>
             <a:endParaRPr lang="en-US"/>
           </a:p>
@@ -2298,7 +2304,7 @@
           <a:p>
             <a:fld id="{022E4DBA-A637-41D1-BF1E-8DDABD866CDC}" type="datetimeFigureOut">
               <a:rPr lang="en-US" smtClean="0"/>
-              <a:t>10/18/2019</a:t>
+              <a:t>10/22/2019</a:t>
             </a:fld>
             <a:endParaRPr lang="en-US"/>
           </a:p>
@@ -2575,7 +2581,7 @@
           <a:p>
             <a:fld id="{022E4DBA-A637-41D1-BF1E-8DDABD866CDC}" type="datetimeFigureOut">
               <a:rPr lang="en-US" smtClean="0"/>
-              <a:t>10/18/2019</a:t>
+              <a:t>10/22/2019</a:t>
             </a:fld>
             <a:endParaRPr lang="en-US"/>
           </a:p>
@@ -2828,7 +2834,7 @@
           <a:p>
             <a:fld id="{022E4DBA-A637-41D1-BF1E-8DDABD866CDC}" type="datetimeFigureOut">
               <a:rPr lang="en-US" smtClean="0"/>
-              <a:t>10/18/2019</a:t>
+              <a:t>10/22/2019</a:t>
             </a:fld>
             <a:endParaRPr lang="en-US"/>
           </a:p>
@@ -3041,7 +3047,7 @@
           <a:p>
             <a:fld id="{022E4DBA-A637-41D1-BF1E-8DDABD866CDC}" type="datetimeFigureOut">
               <a:rPr lang="en-US" smtClean="0"/>
-              <a:t>10/18/2019</a:t>
+              <a:t>10/22/2019</a:t>
             </a:fld>
             <a:endParaRPr lang="en-US"/>
           </a:p>
@@ -3672,47 +3678,6 @@
           </a:p>
         </p:txBody>
       </p:sp>
-      <p:sp>
-        <p:nvSpPr>
-          <p:cNvPr id="5" name="Rectangle 4"/>
-          <p:cNvSpPr/>
-          <p:nvPr/>
-        </p:nvSpPr>
-        <p:spPr>
-          <a:xfrm>
-            <a:off x="2082296" y="3522294"/>
-            <a:ext cx="8238653" cy="369332"/>
-          </a:xfrm>
-          <a:prstGeom prst="rect">
-            <a:avLst/>
-          </a:prstGeom>
-        </p:spPr>
-        <p:txBody>
-          <a:bodyPr wrap="square">
-            <a:spAutoFit/>
-          </a:bodyPr>
-          <a:lstStyle/>
-          <a:p>
-            <a:r>
-              <a:rPr lang="en-US" dirty="0">
-                <a:hlinkClick r:id="rId3"/>
-              </a:rPr>
-              <a:t>https://</a:t>
-            </a:r>
-            <a:r>
-              <a:rPr lang="en-US" dirty="0" smtClean="0">
-                <a:hlinkClick r:id="rId3"/>
-              </a:rPr>
-              <a:t>github.com/ariebhewhe/FlutterDasar_3/tree/master/iconbutton/lib</a:t>
-            </a:r>
-            <a:r>
-              <a:rPr lang="en-US" dirty="0" smtClean="0"/>
-              <a:t> </a:t>
-            </a:r>
-            <a:endParaRPr lang="en-US" dirty="0"/>
-          </a:p>
-        </p:txBody>
-      </p:sp>
     </p:spTree>
     <p:extLst>
       <p:ext uri="{BB962C8B-B14F-4D97-AF65-F5344CB8AC3E}">
@@ -4608,6 +4573,230 @@
 </p:sld>
 </file>
 
+<file path=ppt/slides/slide17.xml><?xml version="1.0" encoding="utf-8"?>
+<p:sld xmlns:a="http://schemas.openxmlformats.org/drawingml/2006/main" xmlns:r="http://schemas.openxmlformats.org/officeDocument/2006/relationships" xmlns:p="http://schemas.openxmlformats.org/presentationml/2006/main">
+  <p:cSld>
+    <p:spTree>
+      <p:nvGrpSpPr>
+        <p:cNvPr id="1" name=""/>
+        <p:cNvGrpSpPr/>
+        <p:nvPr/>
+      </p:nvGrpSpPr>
+      <p:grpSpPr>
+        <a:xfrm>
+          <a:off x="0" y="0"/>
+          <a:ext cx="0" cy="0"/>
+          <a:chOff x="0" y="0"/>
+          <a:chExt cx="0" cy="0"/>
+        </a:xfrm>
+      </p:grpSpPr>
+      <p:sp>
+        <p:nvSpPr>
+          <p:cNvPr id="2" name="Title 1"/>
+          <p:cNvSpPr>
+            <a:spLocks noGrp="1"/>
+          </p:cNvSpPr>
+          <p:nvPr>
+            <p:ph type="title"/>
+          </p:nvPr>
+        </p:nvSpPr>
+        <p:spPr/>
+        <p:txBody>
+          <a:bodyPr/>
+          <a:lstStyle/>
+          <a:p>
+            <a:r>
+              <a:rPr lang="en-US" dirty="0" err="1" smtClean="0"/>
+              <a:t>Kelas</a:t>
+            </a:r>
+            <a:r>
+              <a:rPr lang="en-US" dirty="0" smtClean="0"/>
+              <a:t> </a:t>
+            </a:r>
+            <a:r>
+              <a:rPr lang="en-US" dirty="0" err="1" smtClean="0"/>
+              <a:t>FloatingActionButton</a:t>
+            </a:r>
+            <a:endParaRPr lang="en-US" dirty="0"/>
+          </a:p>
+        </p:txBody>
+      </p:sp>
+    </p:spTree>
+    <p:extLst>
+      <p:ext uri="{BB962C8B-B14F-4D97-AF65-F5344CB8AC3E}">
+        <p14:creationId xmlns:p14="http://schemas.microsoft.com/office/powerpoint/2010/main" val="90783101"/>
+      </p:ext>
+    </p:extLst>
+  </p:cSld>
+  <p:clrMapOvr>
+    <a:masterClrMapping/>
+  </p:clrMapOvr>
+</p:sld>
+</file>
+
+<file path=ppt/slides/slide18.xml><?xml version="1.0" encoding="utf-8"?>
+<p:sld xmlns:a="http://schemas.openxmlformats.org/drawingml/2006/main" xmlns:r="http://schemas.openxmlformats.org/officeDocument/2006/relationships" xmlns:p="http://schemas.openxmlformats.org/presentationml/2006/main">
+  <p:cSld>
+    <p:spTree>
+      <p:nvGrpSpPr>
+        <p:cNvPr id="1" name=""/>
+        <p:cNvGrpSpPr/>
+        <p:nvPr/>
+      </p:nvGrpSpPr>
+      <p:grpSpPr>
+        <a:xfrm>
+          <a:off x="0" y="0"/>
+          <a:ext cx="0" cy="0"/>
+          <a:chOff x="0" y="0"/>
+          <a:chExt cx="0" cy="0"/>
+        </a:xfrm>
+      </p:grpSpPr>
+      <p:sp>
+        <p:nvSpPr>
+          <p:cNvPr id="2" name="Title 1"/>
+          <p:cNvSpPr>
+            <a:spLocks noGrp="1"/>
+          </p:cNvSpPr>
+          <p:nvPr>
+            <p:ph type="title"/>
+          </p:nvPr>
+        </p:nvSpPr>
+        <p:spPr/>
+        <p:txBody>
+          <a:bodyPr/>
+          <a:lstStyle/>
+          <a:p>
+            <a:r>
+              <a:rPr lang="en-US" dirty="0" err="1" smtClean="0"/>
+              <a:t>Kelas</a:t>
+            </a:r>
+            <a:r>
+              <a:rPr lang="en-US" dirty="0" smtClean="0"/>
+              <a:t> </a:t>
+            </a:r>
+            <a:r>
+              <a:rPr lang="en-US" dirty="0" err="1" smtClean="0"/>
+              <a:t>FlatButton</a:t>
+            </a:r>
+            <a:endParaRPr lang="en-US" dirty="0"/>
+          </a:p>
+        </p:txBody>
+      </p:sp>
+      <p:sp>
+        <p:nvSpPr>
+          <p:cNvPr id="3" name="Rectangle 2"/>
+          <p:cNvSpPr/>
+          <p:nvPr/>
+        </p:nvSpPr>
+        <p:spPr>
+          <a:xfrm>
+            <a:off x="2082296" y="3522294"/>
+            <a:ext cx="8238653" cy="369332"/>
+          </a:xfrm>
+          <a:prstGeom prst="rect">
+            <a:avLst/>
+          </a:prstGeom>
+        </p:spPr>
+        <p:txBody>
+          <a:bodyPr wrap="square">
+            <a:spAutoFit/>
+          </a:bodyPr>
+          <a:lstStyle/>
+          <a:p>
+            <a:r>
+              <a:rPr lang="en-US" dirty="0">
+                <a:hlinkClick r:id="rId2"/>
+              </a:rPr>
+              <a:t>https://</a:t>
+            </a:r>
+            <a:r>
+              <a:rPr lang="en-US" dirty="0" smtClean="0">
+                <a:hlinkClick r:id="rId2"/>
+              </a:rPr>
+              <a:t>github.com/ariebhewhe/FlutterDasar_3/tree/master/iconbutton/lib</a:t>
+            </a:r>
+            <a:r>
+              <a:rPr lang="en-US" dirty="0" smtClean="0"/>
+              <a:t> </a:t>
+            </a:r>
+            <a:endParaRPr lang="en-US" dirty="0"/>
+          </a:p>
+        </p:txBody>
+      </p:sp>
+    </p:spTree>
+    <p:extLst>
+      <p:ext uri="{BB962C8B-B14F-4D97-AF65-F5344CB8AC3E}">
+        <p14:creationId xmlns:p14="http://schemas.microsoft.com/office/powerpoint/2010/main" val="395626028"/>
+      </p:ext>
+    </p:extLst>
+  </p:cSld>
+  <p:clrMapOvr>
+    <a:masterClrMapping/>
+  </p:clrMapOvr>
+</p:sld>
+</file>
+
+<file path=ppt/slides/slide19.xml><?xml version="1.0" encoding="utf-8"?>
+<p:sld xmlns:a="http://schemas.openxmlformats.org/drawingml/2006/main" xmlns:r="http://schemas.openxmlformats.org/officeDocument/2006/relationships" xmlns:p="http://schemas.openxmlformats.org/presentationml/2006/main">
+  <p:cSld>
+    <p:spTree>
+      <p:nvGrpSpPr>
+        <p:cNvPr id="1" name=""/>
+        <p:cNvGrpSpPr/>
+        <p:nvPr/>
+      </p:nvGrpSpPr>
+      <p:grpSpPr>
+        <a:xfrm>
+          <a:off x="0" y="0"/>
+          <a:ext cx="0" cy="0"/>
+          <a:chOff x="0" y="0"/>
+          <a:chExt cx="0" cy="0"/>
+        </a:xfrm>
+      </p:grpSpPr>
+      <p:sp>
+        <p:nvSpPr>
+          <p:cNvPr id="2" name="Title 1"/>
+          <p:cNvSpPr>
+            <a:spLocks noGrp="1"/>
+          </p:cNvSpPr>
+          <p:nvPr>
+            <p:ph type="title"/>
+          </p:nvPr>
+        </p:nvSpPr>
+        <p:spPr/>
+        <p:txBody>
+          <a:bodyPr/>
+          <a:lstStyle/>
+          <a:p>
+            <a:r>
+              <a:rPr lang="en-US" dirty="0" err="1" smtClean="0"/>
+              <a:t>Kelas</a:t>
+            </a:r>
+            <a:r>
+              <a:rPr lang="en-US" dirty="0" smtClean="0"/>
+              <a:t> </a:t>
+            </a:r>
+            <a:r>
+              <a:rPr lang="en-US" dirty="0" err="1" smtClean="0"/>
+              <a:t>DropDownButton</a:t>
+            </a:r>
+            <a:endParaRPr lang="en-US" dirty="0"/>
+          </a:p>
+        </p:txBody>
+      </p:sp>
+    </p:spTree>
+    <p:extLst>
+      <p:ext uri="{BB962C8B-B14F-4D97-AF65-F5344CB8AC3E}">
+        <p14:creationId xmlns:p14="http://schemas.microsoft.com/office/powerpoint/2010/main" val="1814531754"/>
+      </p:ext>
+    </p:extLst>
+  </p:cSld>
+  <p:clrMapOvr>
+    <a:masterClrMapping/>
+  </p:clrMapOvr>
+</p:sld>
+</file>
+
 <file path=ppt/slides/slide2.xml><?xml version="1.0" encoding="utf-8"?>
 <p:sld xmlns:a="http://schemas.openxmlformats.org/drawingml/2006/main" xmlns:r="http://schemas.openxmlformats.org/officeDocument/2006/relationships" xmlns:p="http://schemas.openxmlformats.org/presentationml/2006/main">
   <p:cSld>
@@ -4758,6 +4947,185 @@
     <p:extLst>
       <p:ext uri="{BB962C8B-B14F-4D97-AF65-F5344CB8AC3E}">
         <p14:creationId xmlns:p14="http://schemas.microsoft.com/office/powerpoint/2010/main" val="4040313914"/>
+      </p:ext>
+    </p:extLst>
+  </p:cSld>
+  <p:clrMapOvr>
+    <a:masterClrMapping/>
+  </p:clrMapOvr>
+</p:sld>
+</file>
+
+<file path=ppt/slides/slide20.xml><?xml version="1.0" encoding="utf-8"?>
+<p:sld xmlns:a="http://schemas.openxmlformats.org/drawingml/2006/main" xmlns:r="http://schemas.openxmlformats.org/officeDocument/2006/relationships" xmlns:p="http://schemas.openxmlformats.org/presentationml/2006/main">
+  <p:cSld>
+    <p:spTree>
+      <p:nvGrpSpPr>
+        <p:cNvPr id="1" name=""/>
+        <p:cNvGrpSpPr/>
+        <p:nvPr/>
+      </p:nvGrpSpPr>
+      <p:grpSpPr>
+        <a:xfrm>
+          <a:off x="0" y="0"/>
+          <a:ext cx="0" cy="0"/>
+          <a:chOff x="0" y="0"/>
+          <a:chExt cx="0" cy="0"/>
+        </a:xfrm>
+      </p:grpSpPr>
+      <p:sp>
+        <p:nvSpPr>
+          <p:cNvPr id="2" name="Title 1"/>
+          <p:cNvSpPr>
+            <a:spLocks noGrp="1"/>
+          </p:cNvSpPr>
+          <p:nvPr>
+            <p:ph type="title"/>
+          </p:nvPr>
+        </p:nvSpPr>
+        <p:spPr/>
+        <p:txBody>
+          <a:bodyPr/>
+          <a:lstStyle/>
+          <a:p>
+            <a:r>
+              <a:rPr lang="en-US" dirty="0" err="1" smtClean="0"/>
+              <a:t>Kelas</a:t>
+            </a:r>
+            <a:r>
+              <a:rPr lang="en-US" dirty="0" smtClean="0"/>
+              <a:t> </a:t>
+            </a:r>
+            <a:r>
+              <a:rPr lang="en-US" dirty="0" err="1" smtClean="0"/>
+              <a:t>ListView</a:t>
+            </a:r>
+            <a:endParaRPr lang="en-US" dirty="0"/>
+          </a:p>
+        </p:txBody>
+      </p:sp>
+    </p:spTree>
+    <p:extLst>
+      <p:ext uri="{BB962C8B-B14F-4D97-AF65-F5344CB8AC3E}">
+        <p14:creationId xmlns:p14="http://schemas.microsoft.com/office/powerpoint/2010/main" val="1065333320"/>
+      </p:ext>
+    </p:extLst>
+  </p:cSld>
+  <p:clrMapOvr>
+    <a:masterClrMapping/>
+  </p:clrMapOvr>
+</p:sld>
+</file>
+
+<file path=ppt/slides/slide21.xml><?xml version="1.0" encoding="utf-8"?>
+<p:sld xmlns:a="http://schemas.openxmlformats.org/drawingml/2006/main" xmlns:r="http://schemas.openxmlformats.org/officeDocument/2006/relationships" xmlns:p="http://schemas.openxmlformats.org/presentationml/2006/main">
+  <p:cSld>
+    <p:spTree>
+      <p:nvGrpSpPr>
+        <p:cNvPr id="1" name=""/>
+        <p:cNvGrpSpPr/>
+        <p:nvPr/>
+      </p:nvGrpSpPr>
+      <p:grpSpPr>
+        <a:xfrm>
+          <a:off x="0" y="0"/>
+          <a:ext cx="0" cy="0"/>
+          <a:chOff x="0" y="0"/>
+          <a:chExt cx="0" cy="0"/>
+        </a:xfrm>
+      </p:grpSpPr>
+      <p:sp>
+        <p:nvSpPr>
+          <p:cNvPr id="2" name="Title 1"/>
+          <p:cNvSpPr>
+            <a:spLocks noGrp="1"/>
+          </p:cNvSpPr>
+          <p:nvPr>
+            <p:ph type="title"/>
+          </p:nvPr>
+        </p:nvSpPr>
+        <p:spPr/>
+        <p:txBody>
+          <a:bodyPr/>
+          <a:lstStyle/>
+          <a:p>
+            <a:r>
+              <a:rPr lang="en-US" dirty="0" err="1" smtClean="0"/>
+              <a:t>Kelas</a:t>
+            </a:r>
+            <a:r>
+              <a:rPr lang="en-US" dirty="0" smtClean="0"/>
+              <a:t> </a:t>
+            </a:r>
+            <a:r>
+              <a:rPr lang="en-US" dirty="0" err="1" smtClean="0"/>
+              <a:t>GridView</a:t>
+            </a:r>
+            <a:endParaRPr lang="en-US" dirty="0"/>
+          </a:p>
+        </p:txBody>
+      </p:sp>
+    </p:spTree>
+    <p:extLst>
+      <p:ext uri="{BB962C8B-B14F-4D97-AF65-F5344CB8AC3E}">
+        <p14:creationId xmlns:p14="http://schemas.microsoft.com/office/powerpoint/2010/main" val="1418419175"/>
+      </p:ext>
+    </p:extLst>
+  </p:cSld>
+  <p:clrMapOvr>
+    <a:masterClrMapping/>
+  </p:clrMapOvr>
+</p:sld>
+</file>
+
+<file path=ppt/slides/slide22.xml><?xml version="1.0" encoding="utf-8"?>
+<p:sld xmlns:a="http://schemas.openxmlformats.org/drawingml/2006/main" xmlns:r="http://schemas.openxmlformats.org/officeDocument/2006/relationships" xmlns:p="http://schemas.openxmlformats.org/presentationml/2006/main">
+  <p:cSld>
+    <p:spTree>
+      <p:nvGrpSpPr>
+        <p:cNvPr id="1" name=""/>
+        <p:cNvGrpSpPr/>
+        <p:nvPr/>
+      </p:nvGrpSpPr>
+      <p:grpSpPr>
+        <a:xfrm>
+          <a:off x="0" y="0"/>
+          <a:ext cx="0" cy="0"/>
+          <a:chOff x="0" y="0"/>
+          <a:chExt cx="0" cy="0"/>
+        </a:xfrm>
+      </p:grpSpPr>
+      <p:sp>
+        <p:nvSpPr>
+          <p:cNvPr id="2" name="Title 1"/>
+          <p:cNvSpPr>
+            <a:spLocks noGrp="1"/>
+          </p:cNvSpPr>
+          <p:nvPr>
+            <p:ph type="title"/>
+          </p:nvPr>
+        </p:nvSpPr>
+        <p:spPr/>
+        <p:txBody>
+          <a:bodyPr/>
+          <a:lstStyle/>
+          <a:p>
+            <a:r>
+              <a:rPr lang="en-US" dirty="0" err="1" smtClean="0"/>
+              <a:t>Kelas</a:t>
+            </a:r>
+            <a:r>
+              <a:rPr lang="en-US" dirty="0" smtClean="0"/>
+              <a:t> Card</a:t>
+            </a:r>
+            <a:endParaRPr lang="en-US" dirty="0"/>
+          </a:p>
+        </p:txBody>
+      </p:sp>
+    </p:spTree>
+    <p:extLst>
+      <p:ext uri="{BB962C8B-B14F-4D97-AF65-F5344CB8AC3E}">
+        <p14:creationId xmlns:p14="http://schemas.microsoft.com/office/powerpoint/2010/main" val="1282174995"/>
       </p:ext>
     </p:extLst>
   </p:cSld>

--- a/User Interface 2.pptx
+++ b/User Interface 2.pptx
@@ -5,7 +5,7 @@
     <p:sldMasterId id="2147483648" r:id="rId1"/>
   </p:sldMasterIdLst>
   <p:notesMasterIdLst>
-    <p:notesMasterId r:id="rId24"/>
+    <p:notesMasterId r:id="rId25"/>
   </p:notesMasterIdLst>
   <p:sldIdLst>
     <p:sldId id="257" r:id="rId2"/>
@@ -25,11 +25,12 @@
     <p:sldId id="271" r:id="rId16"/>
     <p:sldId id="272" r:id="rId17"/>
     <p:sldId id="273" r:id="rId18"/>
-    <p:sldId id="274" r:id="rId19"/>
-    <p:sldId id="275" r:id="rId20"/>
-    <p:sldId id="276" r:id="rId21"/>
-    <p:sldId id="277" r:id="rId22"/>
-    <p:sldId id="278" r:id="rId23"/>
+    <p:sldId id="279" r:id="rId19"/>
+    <p:sldId id="274" r:id="rId20"/>
+    <p:sldId id="275" r:id="rId21"/>
+    <p:sldId id="276" r:id="rId22"/>
+    <p:sldId id="277" r:id="rId23"/>
+    <p:sldId id="278" r:id="rId24"/>
   </p:sldIdLst>
   <p:sldSz cx="12192000" cy="6858000"/>
   <p:notesSz cx="6858000" cy="9144000"/>
@@ -4621,6 +4622,47 @@
           </a:p>
         </p:txBody>
       </p:sp>
+      <p:sp>
+        <p:nvSpPr>
+          <p:cNvPr id="4" name="Rectangle 3"/>
+          <p:cNvSpPr/>
+          <p:nvPr/>
+        </p:nvSpPr>
+        <p:spPr>
+          <a:xfrm>
+            <a:off x="654627" y="3105835"/>
+            <a:ext cx="8489373" cy="369332"/>
+          </a:xfrm>
+          <a:prstGeom prst="rect">
+            <a:avLst/>
+          </a:prstGeom>
+        </p:spPr>
+        <p:txBody>
+          <a:bodyPr wrap="square">
+            <a:spAutoFit/>
+          </a:bodyPr>
+          <a:lstStyle/>
+          <a:p>
+            <a:r>
+              <a:rPr lang="en-US" dirty="0">
+                <a:hlinkClick r:id="rId2"/>
+              </a:rPr>
+              <a:t>https://</a:t>
+            </a:r>
+            <a:r>
+              <a:rPr lang="en-US" dirty="0" smtClean="0">
+                <a:hlinkClick r:id="rId2"/>
+              </a:rPr>
+              <a:t>github.com/ariebhewhe/FlutterDasar_3/tree/master/fab/lib</a:t>
+            </a:r>
+            <a:r>
+              <a:rPr lang="en-US" dirty="0" smtClean="0"/>
+              <a:t> </a:t>
+            </a:r>
+            <a:endParaRPr lang="en-US" dirty="0"/>
+          </a:p>
+        </p:txBody>
+      </p:sp>
     </p:spTree>
     <p:extLst>
       <p:ext uri="{BB962C8B-B14F-4D97-AF65-F5344CB8AC3E}">
@@ -4676,7 +4718,7 @@
             </a:r>
             <a:r>
               <a:rPr lang="en-US" dirty="0" err="1" smtClean="0"/>
-              <a:t>FlatButton</a:t>
+              <a:t>iconButton</a:t>
             </a:r>
             <a:endParaRPr lang="en-US" dirty="0"/>
           </a:p>
@@ -4726,7 +4768,7 @@
     </p:spTree>
     <p:extLst>
       <p:ext uri="{BB962C8B-B14F-4D97-AF65-F5344CB8AC3E}">
-        <p14:creationId xmlns:p14="http://schemas.microsoft.com/office/powerpoint/2010/main" val="395626028"/>
+        <p14:creationId xmlns:p14="http://schemas.microsoft.com/office/powerpoint/2010/main" val="183939084"/>
       </p:ext>
     </p:extLst>
   </p:cSld>
@@ -4778,7 +4820,48 @@
             </a:r>
             <a:r>
               <a:rPr lang="en-US" dirty="0" err="1" smtClean="0"/>
-              <a:t>DropDownButton</a:t>
+              <a:t>FlatButton</a:t>
+            </a:r>
+            <a:endParaRPr lang="en-US" dirty="0"/>
+          </a:p>
+        </p:txBody>
+      </p:sp>
+      <p:sp>
+        <p:nvSpPr>
+          <p:cNvPr id="4" name="Rectangle 3"/>
+          <p:cNvSpPr/>
+          <p:nvPr/>
+        </p:nvSpPr>
+        <p:spPr>
+          <a:xfrm>
+            <a:off x="1517073" y="3105835"/>
+            <a:ext cx="7626927" cy="369332"/>
+          </a:xfrm>
+          <a:prstGeom prst="rect">
+            <a:avLst/>
+          </a:prstGeom>
+        </p:spPr>
+        <p:txBody>
+          <a:bodyPr wrap="square">
+            <a:spAutoFit/>
+          </a:bodyPr>
+          <a:lstStyle/>
+          <a:p>
+            <a:r>
+              <a:rPr lang="en-US" dirty="0">
+                <a:hlinkClick r:id="rId2"/>
+              </a:rPr>
+              <a:t>https://</a:t>
+            </a:r>
+            <a:r>
+              <a:rPr lang="en-US" dirty="0" smtClean="0">
+                <a:hlinkClick r:id="rId2"/>
+              </a:rPr>
+              <a:t>github.com/ariebhewhe/FlutterDasar_3/tree/master/flatbutton/lib</a:t>
+            </a:r>
+            <a:r>
+              <a:rPr lang="en-US" dirty="0" smtClean="0"/>
+              <a:t> </a:t>
             </a:r>
             <a:endParaRPr lang="en-US" dirty="0"/>
           </a:p>
@@ -4787,7 +4870,7 @@
     </p:spTree>
     <p:extLst>
       <p:ext uri="{BB962C8B-B14F-4D97-AF65-F5344CB8AC3E}">
-        <p14:creationId xmlns:p14="http://schemas.microsoft.com/office/powerpoint/2010/main" val="1814531754"/>
+        <p14:creationId xmlns:p14="http://schemas.microsoft.com/office/powerpoint/2010/main" val="395626028"/>
       </p:ext>
     </p:extLst>
   </p:cSld>
@@ -4998,7 +5081,48 @@
             </a:r>
             <a:r>
               <a:rPr lang="en-US" dirty="0" err="1" smtClean="0"/>
-              <a:t>ListView</a:t>
+              <a:t>DropDownButton</a:t>
+            </a:r>
+            <a:endParaRPr lang="en-US" dirty="0"/>
+          </a:p>
+        </p:txBody>
+      </p:sp>
+      <p:sp>
+        <p:nvSpPr>
+          <p:cNvPr id="3" name="Rectangle 2"/>
+          <p:cNvSpPr/>
+          <p:nvPr/>
+        </p:nvSpPr>
+        <p:spPr>
+          <a:xfrm>
+            <a:off x="1122218" y="3105835"/>
+            <a:ext cx="8021782" cy="369332"/>
+          </a:xfrm>
+          <a:prstGeom prst="rect">
+            <a:avLst/>
+          </a:prstGeom>
+        </p:spPr>
+        <p:txBody>
+          <a:bodyPr wrap="square">
+            <a:spAutoFit/>
+          </a:bodyPr>
+          <a:lstStyle/>
+          <a:p>
+            <a:r>
+              <a:rPr lang="en-US" dirty="0">
+                <a:hlinkClick r:id="rId2"/>
+              </a:rPr>
+              <a:t>https://</a:t>
+            </a:r>
+            <a:r>
+              <a:rPr lang="en-US" dirty="0" smtClean="0">
+                <a:hlinkClick r:id="rId2"/>
+              </a:rPr>
+              <a:t>github.com/ariebhewhe/FlutterDasar_3/tree/master/dropdownbutton/lib</a:t>
+            </a:r>
+            <a:r>
+              <a:rPr lang="en-US" dirty="0" smtClean="0"/>
+              <a:t> </a:t>
             </a:r>
             <a:endParaRPr lang="en-US" dirty="0"/>
           </a:p>
@@ -5007,7 +5131,7 @@
     </p:spTree>
     <p:extLst>
       <p:ext uri="{BB962C8B-B14F-4D97-AF65-F5344CB8AC3E}">
-        <p14:creationId xmlns:p14="http://schemas.microsoft.com/office/powerpoint/2010/main" val="1065333320"/>
+        <p14:creationId xmlns:p14="http://schemas.microsoft.com/office/powerpoint/2010/main" val="1814531754"/>
       </p:ext>
     </p:extLst>
   </p:cSld>
@@ -5059,7 +5183,48 @@
             </a:r>
             <a:r>
               <a:rPr lang="en-US" dirty="0" err="1" smtClean="0"/>
-              <a:t>GridView</a:t>
+              <a:t>ListView</a:t>
+            </a:r>
+            <a:endParaRPr lang="en-US" dirty="0"/>
+          </a:p>
+        </p:txBody>
+      </p:sp>
+      <p:sp>
+        <p:nvSpPr>
+          <p:cNvPr id="3" name="Rectangle 2"/>
+          <p:cNvSpPr/>
+          <p:nvPr/>
+        </p:nvSpPr>
+        <p:spPr>
+          <a:xfrm>
+            <a:off x="3047999" y="3105835"/>
+            <a:ext cx="7550727" cy="369332"/>
+          </a:xfrm>
+          <a:prstGeom prst="rect">
+            <a:avLst/>
+          </a:prstGeom>
+        </p:spPr>
+        <p:txBody>
+          <a:bodyPr wrap="square">
+            <a:spAutoFit/>
+          </a:bodyPr>
+          <a:lstStyle/>
+          <a:p>
+            <a:r>
+              <a:rPr lang="en-US" dirty="0">
+                <a:hlinkClick r:id="rId2"/>
+              </a:rPr>
+              <a:t>https://</a:t>
+            </a:r>
+            <a:r>
+              <a:rPr lang="en-US" dirty="0" smtClean="0">
+                <a:hlinkClick r:id="rId2"/>
+              </a:rPr>
+              <a:t>github.com/ariebhewhe/FlutterDasar_3/tree/master/listview/lib</a:t>
+            </a:r>
+            <a:r>
+              <a:rPr lang="en-US" dirty="0" smtClean="0"/>
+              <a:t> </a:t>
             </a:r>
             <a:endParaRPr lang="en-US" dirty="0"/>
           </a:p>
@@ -5068,7 +5233,7 @@
     </p:spTree>
     <p:extLst>
       <p:ext uri="{BB962C8B-B14F-4D97-AF65-F5344CB8AC3E}">
-        <p14:creationId xmlns:p14="http://schemas.microsoft.com/office/powerpoint/2010/main" val="1418419175"/>
+        <p14:creationId xmlns:p14="http://schemas.microsoft.com/office/powerpoint/2010/main" val="1065333320"/>
       </p:ext>
     </p:extLst>
   </p:cSld>
@@ -5116,7 +5281,150 @@
             </a:r>
             <a:r>
               <a:rPr lang="en-US" dirty="0" smtClean="0"/>
+              <a:t> </a:t>
+            </a:r>
+            <a:r>
+              <a:rPr lang="en-US" dirty="0" err="1" smtClean="0"/>
+              <a:t>GridView</a:t>
+            </a:r>
+            <a:endParaRPr lang="en-US" dirty="0"/>
+          </a:p>
+        </p:txBody>
+      </p:sp>
+      <p:sp>
+        <p:nvSpPr>
+          <p:cNvPr id="3" name="Rectangle 2"/>
+          <p:cNvSpPr/>
+          <p:nvPr/>
+        </p:nvSpPr>
+        <p:spPr>
+          <a:xfrm>
+            <a:off x="3047999" y="3105835"/>
+            <a:ext cx="7665027" cy="369332"/>
+          </a:xfrm>
+          <a:prstGeom prst="rect">
+            <a:avLst/>
+          </a:prstGeom>
+        </p:spPr>
+        <p:txBody>
+          <a:bodyPr wrap="square">
+            <a:spAutoFit/>
+          </a:bodyPr>
+          <a:lstStyle/>
+          <a:p>
+            <a:r>
+              <a:rPr lang="en-US" dirty="0">
+                <a:hlinkClick r:id="rId2"/>
+              </a:rPr>
+              <a:t>https://</a:t>
+            </a:r>
+            <a:r>
+              <a:rPr lang="en-US" dirty="0" smtClean="0">
+                <a:hlinkClick r:id="rId2"/>
+              </a:rPr>
+              <a:t>github.com/ariebhewhe/FlutterDasar_3/tree/master/gridview/lib</a:t>
+            </a:r>
+            <a:r>
+              <a:rPr lang="en-US" dirty="0" smtClean="0"/>
+              <a:t> </a:t>
+            </a:r>
+            <a:endParaRPr lang="en-US" dirty="0"/>
+          </a:p>
+        </p:txBody>
+      </p:sp>
+    </p:spTree>
+    <p:extLst>
+      <p:ext uri="{BB962C8B-B14F-4D97-AF65-F5344CB8AC3E}">
+        <p14:creationId xmlns:p14="http://schemas.microsoft.com/office/powerpoint/2010/main" val="1418419175"/>
+      </p:ext>
+    </p:extLst>
+  </p:cSld>
+  <p:clrMapOvr>
+    <a:masterClrMapping/>
+  </p:clrMapOvr>
+</p:sld>
+</file>
+
+<file path=ppt/slides/slide23.xml><?xml version="1.0" encoding="utf-8"?>
+<p:sld xmlns:a="http://schemas.openxmlformats.org/drawingml/2006/main" xmlns:r="http://schemas.openxmlformats.org/officeDocument/2006/relationships" xmlns:p="http://schemas.openxmlformats.org/presentationml/2006/main">
+  <p:cSld>
+    <p:spTree>
+      <p:nvGrpSpPr>
+        <p:cNvPr id="1" name=""/>
+        <p:cNvGrpSpPr/>
+        <p:nvPr/>
+      </p:nvGrpSpPr>
+      <p:grpSpPr>
+        <a:xfrm>
+          <a:off x="0" y="0"/>
+          <a:ext cx="0" cy="0"/>
+          <a:chOff x="0" y="0"/>
+          <a:chExt cx="0" cy="0"/>
+        </a:xfrm>
+      </p:grpSpPr>
+      <p:sp>
+        <p:nvSpPr>
+          <p:cNvPr id="2" name="Title 1"/>
+          <p:cNvSpPr>
+            <a:spLocks noGrp="1"/>
+          </p:cNvSpPr>
+          <p:nvPr>
+            <p:ph type="title"/>
+          </p:nvPr>
+        </p:nvSpPr>
+        <p:spPr/>
+        <p:txBody>
+          <a:bodyPr/>
+          <a:lstStyle/>
+          <a:p>
+            <a:r>
+              <a:rPr lang="en-US" dirty="0" err="1" smtClean="0"/>
+              <a:t>Kelas</a:t>
+            </a:r>
+            <a:r>
+              <a:rPr lang="en-US" dirty="0" smtClean="0"/>
               <a:t> Card</a:t>
+            </a:r>
+            <a:endParaRPr lang="en-US" dirty="0"/>
+          </a:p>
+        </p:txBody>
+      </p:sp>
+      <p:sp>
+        <p:nvSpPr>
+          <p:cNvPr id="3" name="Rectangle 2"/>
+          <p:cNvSpPr/>
+          <p:nvPr/>
+        </p:nvSpPr>
+        <p:spPr>
+          <a:xfrm>
+            <a:off x="1704109" y="3105835"/>
+            <a:ext cx="7439891" cy="369332"/>
+          </a:xfrm>
+          <a:prstGeom prst="rect">
+            <a:avLst/>
+          </a:prstGeom>
+        </p:spPr>
+        <p:txBody>
+          <a:bodyPr wrap="square">
+            <a:spAutoFit/>
+          </a:bodyPr>
+          <a:lstStyle/>
+          <a:p>
+            <a:r>
+              <a:rPr lang="en-US" dirty="0">
+                <a:hlinkClick r:id="rId2"/>
+              </a:rPr>
+              <a:t>https://</a:t>
+            </a:r>
+            <a:r>
+              <a:rPr lang="en-US" dirty="0" smtClean="0">
+                <a:hlinkClick r:id="rId2"/>
+              </a:rPr>
+              <a:t>github.com/ariebhewhe/FlutterDasar_3/tree/master/card/lib</a:t>
+            </a:r>
+            <a:r>
+              <a:rPr lang="en-US" dirty="0" smtClean="0"/>
+              <a:t> </a:t>
             </a:r>
             <a:endParaRPr lang="en-US" dirty="0"/>
           </a:p>
